--- a/Lead_Scoring_Case_Study_Presentation.pptx
+++ b/Lead_Scoring_Case_Study_Presentation.pptx
@@ -318,7 +318,7 @@
           <a:p>
             <a:fld id="{9184DA70-C731-4C70-880D-CCD4705E623C}" type="datetime1">
               <a:rPr lang="en-US" smtClean="0"/>
-              <a:t>1/19/2025</a:t>
+              <a:t>1/20/2025</a:t>
             </a:fld>
             <a:endParaRPr lang="en-US" dirty="0"/>
           </a:p>
@@ -593,7 +593,7 @@
           <a:p>
             <a:fld id="{62D6E202-B606-4609-B914-27C9371A1F6D}" type="datetime1">
               <a:rPr lang="en-US" smtClean="0"/>
-              <a:t>1/19/2025</a:t>
+              <a:t>1/20/2025</a:t>
             </a:fld>
             <a:endParaRPr lang="en-US" dirty="0"/>
           </a:p>
@@ -788,7 +788,7 @@
           <a:p>
             <a:fld id="{62D6E202-B606-4609-B914-27C9371A1F6D}" type="datetime1">
               <a:rPr lang="en-US" smtClean="0"/>
-              <a:t>1/19/2025</a:t>
+              <a:t>1/20/2025</a:t>
             </a:fld>
             <a:endParaRPr lang="en-US" dirty="0"/>
           </a:p>
@@ -1062,7 +1062,7 @@
           <a:p>
             <a:fld id="{62D6E202-B606-4609-B914-27C9371A1F6D}" type="datetime1">
               <a:rPr lang="en-US" smtClean="0"/>
-              <a:t>1/19/2025</a:t>
+              <a:t>1/20/2025</a:t>
             </a:fld>
             <a:endParaRPr lang="en-US" dirty="0"/>
           </a:p>
@@ -1404,7 +1404,7 @@
           <a:p>
             <a:fld id="{62D6E202-B606-4609-B914-27C9371A1F6D}" type="datetime1">
               <a:rPr lang="en-US" smtClean="0"/>
-              <a:t>1/19/2025</a:t>
+              <a:t>1/20/2025</a:t>
             </a:fld>
             <a:endParaRPr lang="en-US" dirty="0"/>
           </a:p>
@@ -2028,7 +2028,7 @@
           <a:p>
             <a:fld id="{62D6E202-B606-4609-B914-27C9371A1F6D}" type="datetime1">
               <a:rPr lang="en-US" smtClean="0"/>
-              <a:t>1/19/2025</a:t>
+              <a:t>1/20/2025</a:t>
             </a:fld>
             <a:endParaRPr lang="en-US" dirty="0"/>
           </a:p>
@@ -2889,7 +2889,7 @@
           <a:p>
             <a:fld id="{62D6E202-B606-4609-B914-27C9371A1F6D}" type="datetime1">
               <a:rPr lang="en-US" smtClean="0"/>
-              <a:t>1/19/2025</a:t>
+              <a:t>1/20/2025</a:t>
             </a:fld>
             <a:endParaRPr lang="en-US" dirty="0"/>
           </a:p>
@@ -3060,7 +3060,7 @@
           <a:p>
             <a:fld id="{62D6E202-B606-4609-B914-27C9371A1F6D}" type="datetime1">
               <a:rPr lang="en-US" smtClean="0"/>
-              <a:t>1/19/2025</a:t>
+              <a:t>1/20/2025</a:t>
             </a:fld>
             <a:endParaRPr lang="en-US" dirty="0"/>
           </a:p>
@@ -3241,7 +3241,7 @@
           <a:p>
             <a:fld id="{62D6E202-B606-4609-B914-27C9371A1F6D}" type="datetime1">
               <a:rPr lang="en-US" smtClean="0"/>
-              <a:t>1/19/2025</a:t>
+              <a:t>1/20/2025</a:t>
             </a:fld>
             <a:endParaRPr lang="en-US" dirty="0"/>
           </a:p>
@@ -3547,7 +3547,7 @@
           <a:p>
             <a:fld id="{9184DA70-C731-4C70-880D-CCD4705E623C}" type="datetime1">
               <a:rPr lang="en-US" smtClean="0"/>
-              <a:t>1/19/2025</a:t>
+              <a:t>1/20/2025</a:t>
             </a:fld>
             <a:endParaRPr lang="en-US" dirty="0"/>
           </a:p>
@@ -3735,7 +3735,7 @@
           <a:p>
             <a:fld id="{4BE1D723-8F53-4F53-90B0-1982A396982E}" type="datetime1">
               <a:rPr lang="en-US" smtClean="0"/>
-              <a:t>1/19/2025</a:t>
+              <a:t>1/20/2025</a:t>
             </a:fld>
             <a:endParaRPr lang="en-US" dirty="0"/>
           </a:p>
@@ -3917,7 +3917,7 @@
           <a:p>
             <a:fld id="{4BE1D723-8F53-4F53-90B0-1982A396982E}" type="datetime1">
               <a:rPr lang="en-US" smtClean="0"/>
-              <a:t>1/19/2025</a:t>
+              <a:t>1/20/2025</a:t>
             </a:fld>
             <a:endParaRPr lang="en-US" dirty="0"/>
           </a:p>
@@ -4278,7 +4278,7 @@
           <a:p>
             <a:fld id="{97669AF7-7BEB-44E4-9852-375E34362B5B}" type="datetime1">
               <a:rPr lang="en-US" smtClean="0"/>
-              <a:t>1/19/2025</a:t>
+              <a:t>1/20/2025</a:t>
             </a:fld>
             <a:endParaRPr lang="en-US" dirty="0"/>
           </a:p>
@@ -4533,7 +4533,7 @@
           <a:p>
             <a:fld id="{BAAAC38D-0552-4C82-B593-E6124DFADBE2}" type="datetime1">
               <a:rPr lang="en-US" smtClean="0"/>
-              <a:t>1/19/2025</a:t>
+              <a:t>1/20/2025</a:t>
             </a:fld>
             <a:endParaRPr lang="en-US" dirty="0"/>
           </a:p>
@@ -4930,7 +4930,7 @@
           <a:p>
             <a:fld id="{D9DF0F1C-5577-4ACB-BB62-DF8F3C494C7E}" type="datetime1">
               <a:rPr lang="en-US" smtClean="0"/>
-              <a:t>1/19/2025</a:t>
+              <a:t>1/20/2025</a:t>
             </a:fld>
             <a:endParaRPr lang="en-US" dirty="0"/>
           </a:p>
@@ -5066,7 +5066,7 @@
           <a:p>
             <a:fld id="{1775B394-D9F9-4F0C-B15D-605F45CB9E9F}" type="datetime1">
               <a:rPr lang="en-US" smtClean="0"/>
-              <a:t>1/19/2025</a:t>
+              <a:t>1/20/2025</a:t>
             </a:fld>
             <a:endParaRPr lang="en-US" dirty="0"/>
           </a:p>
@@ -5223,7 +5223,7 @@
           <a:p>
             <a:fld id="{39667345-2558-425A-8533-9BFDBCE15005}" type="datetime1">
               <a:rPr lang="en-US" smtClean="0"/>
-              <a:t>1/19/2025</a:t>
+              <a:t>1/20/2025</a:t>
             </a:fld>
             <a:endParaRPr lang="en-US" dirty="0"/>
           </a:p>
@@ -5552,7 +5552,7 @@
           <a:p>
             <a:fld id="{92BEA474-078D-4E9B-9B14-09A87B19DC46}" type="datetime1">
               <a:rPr lang="en-US" smtClean="0"/>
-              <a:t>1/19/2025</a:t>
+              <a:t>1/20/2025</a:t>
             </a:fld>
             <a:endParaRPr lang="en-US" dirty="0"/>
           </a:p>
@@ -5902,7 +5902,7 @@
           <a:p>
             <a:fld id="{4907D986-8816-4272-A432-0437A28A9828}" type="datetime1">
               <a:rPr lang="en-US" smtClean="0"/>
-              <a:t>1/19/2025</a:t>
+              <a:t>1/20/2025</a:t>
             </a:fld>
             <a:endParaRPr lang="en-US" dirty="0"/>
           </a:p>
@@ -6193,7 +6193,7 @@
           <a:p>
             <a:fld id="{97669AF7-7BEB-44E4-9852-375E34362B5B}" type="datetime1">
               <a:rPr lang="en-US" smtClean="0"/>
-              <a:t>1/19/2025</a:t>
+              <a:t>1/20/2025</a:t>
             </a:fld>
             <a:endParaRPr lang="en-US" dirty="0"/>
           </a:p>
@@ -6485,7 +6485,7 @@
           <a:p>
             <a:fld id="{BAAAC38D-0552-4C82-B593-E6124DFADBE2}" type="datetime1">
               <a:rPr lang="en-US" smtClean="0"/>
-              <a:t>1/19/2025</a:t>
+              <a:t>1/20/2025</a:t>
             </a:fld>
             <a:endParaRPr lang="en-US" dirty="0"/>
           </a:p>
@@ -6929,7 +6929,7 @@
           <a:p>
             <a:fld id="{D9DF0F1C-5577-4ACB-BB62-DF8F3C494C7E}" type="datetime1">
               <a:rPr lang="en-US" smtClean="0"/>
-              <a:t>1/19/2025</a:t>
+              <a:t>1/20/2025</a:t>
             </a:fld>
             <a:endParaRPr lang="en-US" dirty="0"/>
           </a:p>
@@ -7047,7 +7047,7 @@
           <a:p>
             <a:fld id="{1775B394-D9F9-4F0C-B15D-605F45CB9E9F}" type="datetime1">
               <a:rPr lang="en-US" smtClean="0"/>
-              <a:t>1/19/2025</a:t>
+              <a:t>1/20/2025</a:t>
             </a:fld>
             <a:endParaRPr lang="en-US" dirty="0"/>
           </a:p>
@@ -7142,7 +7142,7 @@
           <a:p>
             <a:fld id="{39667345-2558-425A-8533-9BFDBCE15005}" type="datetime1">
               <a:rPr lang="en-US" smtClean="0"/>
-              <a:t>1/19/2025</a:t>
+              <a:t>1/20/2025</a:t>
             </a:fld>
             <a:endParaRPr lang="en-US" dirty="0"/>
           </a:p>
@@ -7421,7 +7421,7 @@
           <a:p>
             <a:fld id="{92BEA474-078D-4E9B-9B14-09A87B19DC46}" type="datetime1">
               <a:rPr lang="en-US" smtClean="0"/>
-              <a:t>1/19/2025</a:t>
+              <a:t>1/20/2025</a:t>
             </a:fld>
             <a:endParaRPr lang="en-US" dirty="0"/>
           </a:p>
@@ -7697,7 +7697,7 @@
           <a:p>
             <a:fld id="{4907D986-8816-4272-A432-0437A28A9828}" type="datetime1">
               <a:rPr lang="en-US" smtClean="0"/>
-              <a:t>1/19/2025</a:t>
+              <a:t>1/20/2025</a:t>
             </a:fld>
             <a:endParaRPr lang="en-US" dirty="0"/>
           </a:p>
@@ -8127,7 +8127,7 @@
           <a:p>
             <a:fld id="{62D6E202-B606-4609-B914-27C9371A1F6D}" type="datetime1">
               <a:rPr lang="en-US" smtClean="0"/>
-              <a:t>1/19/2025</a:t>
+              <a:t>1/20/2025</a:t>
             </a:fld>
             <a:endParaRPr lang="en-US" dirty="0"/>
           </a:p>
@@ -8833,7 +8833,7 @@
           <a:p>
             <a:fld id="{62D6E202-B606-4609-B914-27C9371A1F6D}" type="datetime1">
               <a:rPr lang="en-US" smtClean="0"/>
-              <a:t>1/19/2025</a:t>
+              <a:t>1/20/2025</a:t>
             </a:fld>
             <a:endParaRPr lang="en-US" dirty="0"/>
           </a:p>
@@ -9719,8 +9719,25 @@
                   </a:schemeClr>
                 </a:solidFill>
               </a:rPr>
-              <a:t>Vikas tripathi</a:t>
-            </a:r>
+              <a:t>Vikash KR. </a:t>
+            </a:r>
+            <a:r>
+              <a:rPr lang="en-US" sz="1600" b="1">
+                <a:solidFill>
+                  <a:schemeClr val="tx1">
+                    <a:lumMod val="75000"/>
+                  </a:schemeClr>
+                </a:solidFill>
+              </a:rPr>
+              <a:t>tripathi</a:t>
+            </a:r>
+            <a:endParaRPr lang="en-US" sz="1600" b="1" dirty="0">
+              <a:solidFill>
+                <a:schemeClr val="tx1">
+                  <a:lumMod val="75000"/>
+                </a:schemeClr>
+              </a:solidFill>
+            </a:endParaRPr>
           </a:p>
         </p:txBody>
       </p:sp>
@@ -14341,6 +14358,15 @@
 </file>
 
 <file path=customXml/item2.xml><?xml version="1.0" encoding="utf-8"?>
+<?mso-contentType ?>
+<FormTemplates xmlns="http://schemas.microsoft.com/sharepoint/v3/contenttype/forms">
+  <Display>DocumentLibraryForm</Display>
+  <Edit>DocumentLibraryForm</Edit>
+  <New>DocumentLibraryForm</New>
+</FormTemplates>
+</file>
+
+<file path=customXml/item3.xml><?xml version="1.0" encoding="utf-8"?>
 <ct:contentTypeSchema xmlns:ct="http://schemas.microsoft.com/office/2006/metadata/contentType" xmlns:ma="http://schemas.microsoft.com/office/2006/metadata/properties/metaAttributes" ct:_="" ma:_="" ma:contentTypeName="Document" ma:contentTypeID="0x01010079F111ED35F8CC479449609E8A0923A6" ma:contentTypeVersion="27" ma:contentTypeDescription="Create a new document." ma:contentTypeScope="" ma:versionID="c6f9a84f66a9c8b9a21755b9ffafb945">
   <xsd:schema xmlns:xsd="http://www.w3.org/2001/XMLSchema" xmlns:xs="http://www.w3.org/2001/XMLSchema" xmlns:p="http://schemas.microsoft.com/office/2006/metadata/properties" xmlns:ns1="http://schemas.microsoft.com/sharepoint/v3" xmlns:ns2="71af3243-3dd4-4a8d-8c0d-dd76da1f02a5" xmlns:ns3="16c05727-aa75-4e4a-9b5f-8a80a1165891" xmlns:ns4="230e9df3-be65-4c73-a93b-d1236ebd677e" targetNamespace="http://schemas.microsoft.com/office/2006/metadata/properties" ma:root="true" ma:fieldsID="27df39e3e7036dff54f89ddd5805ce72" ns1:_="" ns2:_="" ns3:_="" ns4:_="">
     <xsd:import namespace="http://schemas.microsoft.com/sharepoint/v3"/>
@@ -14646,15 +14672,6 @@
 </ct:contentTypeSchema>
 </file>
 
-<file path=customXml/item3.xml><?xml version="1.0" encoding="utf-8"?>
-<?mso-contentType ?>
-<FormTemplates xmlns="http://schemas.microsoft.com/sharepoint/v3/contenttype/forms">
-  <Display>DocumentLibraryForm</Display>
-  <Edit>DocumentLibraryForm</Edit>
-  <New>DocumentLibraryForm</New>
-</FormTemplates>
-</file>
-
 <file path=customXml/itemProps1.xml><?xml version="1.0" encoding="utf-8"?>
 <ds:datastoreItem xmlns:ds="http://schemas.openxmlformats.org/officeDocument/2006/customXml" ds:itemID="{A03EEFF0-FB57-4CB4-8BFC-DF397689E2ED}">
   <ds:schemaRefs>
@@ -14675,6 +14692,14 @@
 </file>
 
 <file path=customXml/itemProps2.xml><?xml version="1.0" encoding="utf-8"?>
+<ds:datastoreItem xmlns:ds="http://schemas.openxmlformats.org/officeDocument/2006/customXml" ds:itemID="{AA3F7EDC-E5B4-4BBC-9D2A-CBE6D46C37AD}">
+  <ds:schemaRefs>
+    <ds:schemaRef ds:uri="http://schemas.microsoft.com/sharepoint/v3/contenttype/forms"/>
+  </ds:schemaRefs>
+</ds:datastoreItem>
+</file>
+
+<file path=customXml/itemProps3.xml><?xml version="1.0" encoding="utf-8"?>
 <ds:datastoreItem xmlns:ds="http://schemas.openxmlformats.org/officeDocument/2006/customXml" ds:itemID="{D2957789-34B8-480C-AF9B-3EB54B9E5C96}">
   <ds:schemaRefs>
     <ds:schemaRef ds:uri="http://schemas.microsoft.com/office/2006/metadata/contentType"/>
@@ -14693,12 +14718,4 @@
     <ds:schemaRef ds:uri="http://schemas.microsoft.com/internal/obd"/>
   </ds:schemaRefs>
 </ds:datastoreItem>
-</file>
-
-<file path=customXml/itemProps3.xml><?xml version="1.0" encoding="utf-8"?>
-<ds:datastoreItem xmlns:ds="http://schemas.openxmlformats.org/officeDocument/2006/customXml" ds:itemID="{AA3F7EDC-E5B4-4BBC-9D2A-CBE6D46C37AD}">
-  <ds:schemaRefs>
-    <ds:schemaRef ds:uri="http://schemas.microsoft.com/sharepoint/v3/contenttype/forms"/>
-  </ds:schemaRefs>
-</ds:datastoreItem>
 </file>